--- a/starbucks설계.pptx
+++ b/starbucks설계.pptx
@@ -106,6 +106,11 @@
       </a:defRPr>
     </a:lvl9pPr>
   </p:defaultTextStyle>
+  <p:extLst>
+    <p:ext uri="{EFAFB233-063F-42B5-8137-9DF3F51BA10A}">
+      <p15:sldGuideLst xmlns:p15="http://schemas.microsoft.com/office/powerpoint/2012/main"/>
+    </p:ext>
+  </p:extLst>
 </p:presentation>
 </file>
 
@@ -240,7 +245,7 @@
           <a:p>
             <a:fld id="{88972EFB-77F4-4851-BE0F-03E88073BFD6}" type="datetimeFigureOut">
               <a:rPr lang="ko-KR" altLang="en-US" smtClean="0"/>
-              <a:t>2024-02-25</a:t>
+              <a:t>2024-03-02</a:t>
             </a:fld>
             <a:endParaRPr lang="ko-KR" altLang="en-US"/>
           </a:p>
@@ -410,7 +415,7 @@
           <a:p>
             <a:fld id="{88972EFB-77F4-4851-BE0F-03E88073BFD6}" type="datetimeFigureOut">
               <a:rPr lang="ko-KR" altLang="en-US" smtClean="0"/>
-              <a:t>2024-02-25</a:t>
+              <a:t>2024-03-02</a:t>
             </a:fld>
             <a:endParaRPr lang="ko-KR" altLang="en-US"/>
           </a:p>
@@ -590,7 +595,7 @@
           <a:p>
             <a:fld id="{88972EFB-77F4-4851-BE0F-03E88073BFD6}" type="datetimeFigureOut">
               <a:rPr lang="ko-KR" altLang="en-US" smtClean="0"/>
-              <a:t>2024-02-25</a:t>
+              <a:t>2024-03-02</a:t>
             </a:fld>
             <a:endParaRPr lang="ko-KR" altLang="en-US"/>
           </a:p>
@@ -760,7 +765,7 @@
           <a:p>
             <a:fld id="{88972EFB-77F4-4851-BE0F-03E88073BFD6}" type="datetimeFigureOut">
               <a:rPr lang="ko-KR" altLang="en-US" smtClean="0"/>
-              <a:t>2024-02-25</a:t>
+              <a:t>2024-03-02</a:t>
             </a:fld>
             <a:endParaRPr lang="ko-KR" altLang="en-US"/>
           </a:p>
@@ -1006,7 +1011,7 @@
           <a:p>
             <a:fld id="{88972EFB-77F4-4851-BE0F-03E88073BFD6}" type="datetimeFigureOut">
               <a:rPr lang="ko-KR" altLang="en-US" smtClean="0"/>
-              <a:t>2024-02-25</a:t>
+              <a:t>2024-03-02</a:t>
             </a:fld>
             <a:endParaRPr lang="ko-KR" altLang="en-US"/>
           </a:p>
@@ -1238,7 +1243,7 @@
           <a:p>
             <a:fld id="{88972EFB-77F4-4851-BE0F-03E88073BFD6}" type="datetimeFigureOut">
               <a:rPr lang="ko-KR" altLang="en-US" smtClean="0"/>
-              <a:t>2024-02-25</a:t>
+              <a:t>2024-03-02</a:t>
             </a:fld>
             <a:endParaRPr lang="ko-KR" altLang="en-US"/>
           </a:p>
@@ -1605,7 +1610,7 @@
           <a:p>
             <a:fld id="{88972EFB-77F4-4851-BE0F-03E88073BFD6}" type="datetimeFigureOut">
               <a:rPr lang="ko-KR" altLang="en-US" smtClean="0"/>
-              <a:t>2024-02-25</a:t>
+              <a:t>2024-03-02</a:t>
             </a:fld>
             <a:endParaRPr lang="ko-KR" altLang="en-US"/>
           </a:p>
@@ -1723,7 +1728,7 @@
           <a:p>
             <a:fld id="{88972EFB-77F4-4851-BE0F-03E88073BFD6}" type="datetimeFigureOut">
               <a:rPr lang="ko-KR" altLang="en-US" smtClean="0"/>
-              <a:t>2024-02-25</a:t>
+              <a:t>2024-03-02</a:t>
             </a:fld>
             <a:endParaRPr lang="ko-KR" altLang="en-US"/>
           </a:p>
@@ -1818,7 +1823,7 @@
           <a:p>
             <a:fld id="{88972EFB-77F4-4851-BE0F-03E88073BFD6}" type="datetimeFigureOut">
               <a:rPr lang="ko-KR" altLang="en-US" smtClean="0"/>
-              <a:t>2024-02-25</a:t>
+              <a:t>2024-03-02</a:t>
             </a:fld>
             <a:endParaRPr lang="ko-KR" altLang="en-US"/>
           </a:p>
@@ -2095,7 +2100,7 @@
           <a:p>
             <a:fld id="{88972EFB-77F4-4851-BE0F-03E88073BFD6}" type="datetimeFigureOut">
               <a:rPr lang="ko-KR" altLang="en-US" smtClean="0"/>
-              <a:t>2024-02-25</a:t>
+              <a:t>2024-03-02</a:t>
             </a:fld>
             <a:endParaRPr lang="ko-KR" altLang="en-US"/>
           </a:p>
@@ -2348,7 +2353,7 @@
           <a:p>
             <a:fld id="{88972EFB-77F4-4851-BE0F-03E88073BFD6}" type="datetimeFigureOut">
               <a:rPr lang="ko-KR" altLang="en-US" smtClean="0"/>
-              <a:t>2024-02-25</a:t>
+              <a:t>2024-03-02</a:t>
             </a:fld>
             <a:endParaRPr lang="ko-KR" altLang="en-US"/>
           </a:p>
@@ -2561,7 +2566,7 @@
           <a:p>
             <a:fld id="{88972EFB-77F4-4851-BE0F-03E88073BFD6}" type="datetimeFigureOut">
               <a:rPr lang="ko-KR" altLang="en-US" smtClean="0"/>
-              <a:t>2024-02-25</a:t>
+              <a:t>2024-03-02</a:t>
             </a:fld>
             <a:endParaRPr lang="ko-KR" altLang="en-US"/>
           </a:p>
@@ -3636,6 +3641,30 @@
       </p:grpSpPr>
       <p:pic>
         <p:nvPicPr>
+          <p:cNvPr id="11" name="그림 10"/>
+          <p:cNvPicPr>
+            <a:picLocks noChangeAspect="1"/>
+          </p:cNvPicPr>
+          <p:nvPr/>
+        </p:nvPicPr>
+        <p:blipFill>
+          <a:blip r:embed="rId2"/>
+          <a:stretch>
+            <a:fillRect/>
+          </a:stretch>
+        </p:blipFill>
+        <p:spPr>
+          <a:xfrm>
+            <a:off x="-508505" y="-452351"/>
+            <a:ext cx="12382500" cy="4019550"/>
+          </a:xfrm>
+          <a:prstGeom prst="rect">
+            <a:avLst/>
+          </a:prstGeom>
+        </p:spPr>
+      </p:pic>
+      <p:pic>
+        <p:nvPicPr>
           <p:cNvPr id="2" name="그림 1"/>
           <p:cNvPicPr>
             <a:picLocks noChangeAspect="1"/>
@@ -3643,7 +3672,7 @@
           <p:nvPr/>
         </p:nvPicPr>
         <p:blipFill>
-          <a:blip r:embed="rId2"/>
+          <a:blip r:embed="rId3"/>
           <a:stretch>
             <a:fillRect/>
           </a:stretch>
@@ -3835,14 +3864,14 @@
           <p:nvPr>
             <p:extLst>
               <p:ext uri="{D42A27DB-BD31-4B8C-83A1-F6EECF244321}">
-                <p14:modId xmlns:p14="http://schemas.microsoft.com/office/powerpoint/2010/main" val="3028840449"/>
+                <p14:modId xmlns:p14="http://schemas.microsoft.com/office/powerpoint/2010/main" val="2856647492"/>
               </p:ext>
             </p:extLst>
           </p:nvPr>
         </p:nvGraphicFramePr>
         <p:xfrm>
           <a:off x="1721450" y="4067004"/>
-          <a:ext cx="8127999" cy="2392680"/>
+          <a:ext cx="9849449" cy="2595880"/>
         </p:xfrm>
         <a:graphic>
           <a:graphicData uri="http://schemas.openxmlformats.org/drawingml/2006/table">
@@ -3851,21 +3880,21 @@
                 <a:tableStyleId>{5C22544A-7EE6-4342-B048-85BDC9FD1C3A}</a:tableStyleId>
               </a:tblPr>
               <a:tblGrid>
-                <a:gridCol w="1056256">
+                <a:gridCol w="878315">
                   <a:extLst>
                     <a:ext uri="{9D8B030D-6E8A-4147-A177-3AD203B41FA5}">
                       <a16:colId xmlns:a16="http://schemas.microsoft.com/office/drawing/2014/main" val="2863007170"/>
                     </a:ext>
                   </a:extLst>
                 </a:gridCol>
-                <a:gridCol w="1155939">
+                <a:gridCol w="1802406">
                   <a:extLst>
                     <a:ext uri="{9D8B030D-6E8A-4147-A177-3AD203B41FA5}">
                       <a16:colId xmlns:a16="http://schemas.microsoft.com/office/drawing/2014/main" val="1316422622"/>
                     </a:ext>
                   </a:extLst>
                 </a:gridCol>
-                <a:gridCol w="5915804">
+                <a:gridCol w="7168728">
                   <a:extLst>
                     <a:ext uri="{9D8B030D-6E8A-4147-A177-3AD203B41FA5}">
                       <a16:colId xmlns:a16="http://schemas.microsoft.com/office/drawing/2014/main" val="541395983"/>
@@ -3920,6 +3949,10 @@
                     <a:lstStyle/>
                     <a:p>
                       <a:pPr latinLnBrk="1"/>
+                      <a:r>
+                        <a:rPr lang="en-US" altLang="ko-KR" dirty="0" smtClean="0"/>
+                        <a:t>1</a:t>
+                      </a:r>
                       <a:endParaRPr lang="ko-KR" altLang="en-US" dirty="0"/>
                     </a:p>
                   </a:txBody>
@@ -3932,8 +3965,8 @@
                     <a:p>
                       <a:pPr latinLnBrk="1"/>
                       <a:r>
-                        <a:rPr lang="ko-KR" altLang="en-US" dirty="0" smtClean="0"/>
-                        <a:t>전체</a:t>
+                        <a:rPr lang="en-US" altLang="ko-KR" dirty="0" smtClean="0"/>
+                        <a:t>Section-one</a:t>
                       </a:r>
                       <a:endParaRPr lang="ko-KR" altLang="en-US" dirty="0"/>
                     </a:p>
@@ -3952,7 +3985,15 @@
                       </a:r>
                       <a:r>
                         <a:rPr lang="en-US" altLang="ko-KR" baseline="0" dirty="0" smtClean="0"/>
-                        <a:t> height:30vh; background image</a:t>
+                        <a:t> </a:t>
+                      </a:r>
+                      <a:r>
+                        <a:rPr lang="en-US" altLang="ko-KR" baseline="0" dirty="0" smtClean="0"/>
+                        <a:t>height:32vw; </a:t>
+                      </a:r>
+                      <a:r>
+                        <a:rPr lang="en-US" altLang="ko-KR" baseline="0" dirty="0" smtClean="0"/>
+                        <a:t>background image</a:t>
                       </a:r>
                       <a:endParaRPr lang="ko-KR" altLang="en-US" dirty="0"/>
                     </a:p>
@@ -3972,6 +4013,10 @@
                     <a:lstStyle/>
                     <a:p>
                       <a:pPr latinLnBrk="1"/>
+                      <a:r>
+                        <a:rPr lang="en-US" altLang="ko-KR" dirty="0" smtClean="0"/>
+                        <a:t>2</a:t>
+                      </a:r>
                       <a:endParaRPr lang="ko-KR" altLang="en-US" dirty="0"/>
                     </a:p>
                   </a:txBody>
@@ -3982,20 +4027,39 @@
                     <a:bodyPr/>
                     <a:lstStyle/>
                     <a:p>
-                      <a:pPr latinLnBrk="1"/>
                       <a:r>
-                        <a:rPr lang="ko-KR" altLang="en-US" dirty="0" smtClean="0"/>
-                        <a:t>왼쪽</a:t>
+                        <a:rPr lang="en-US" altLang="ko-KR" sz="1800" b="0" kern="1200" dirty="0" smtClean="0">
+                          <a:solidFill>
+                            <a:schemeClr val="dk1"/>
+                          </a:solidFill>
+                          <a:effectLst/>
+                          <a:latin typeface="+mn-lt"/>
+                          <a:ea typeface="+mn-ea"/>
+                          <a:cs typeface="+mn-cs"/>
+                        </a:rPr>
+                        <a:t>text-</a:t>
                       </a:r>
                       <a:r>
-                        <a:rPr lang="en-US" altLang="ko-KR" dirty="0" smtClean="0"/>
-                        <a:t>text</a:t>
+                        <a:rPr lang="en-US" altLang="ko-KR" sz="1800" b="0" kern="1200" dirty="0" err="1" smtClean="0">
+                          <a:solidFill>
+                            <a:schemeClr val="dk1"/>
+                          </a:solidFill>
+                          <a:effectLst/>
+                          <a:latin typeface="+mn-lt"/>
+                          <a:ea typeface="+mn-ea"/>
+                          <a:cs typeface="+mn-cs"/>
+                        </a:rPr>
+                        <a:t>img</a:t>
                       </a:r>
-                      <a:r>
-                        <a:rPr lang="ko-KR" altLang="en-US" dirty="0" smtClean="0"/>
-                        <a:t>이미지</a:t>
-                      </a:r>
-                      <a:endParaRPr lang="ko-KR" altLang="en-US" dirty="0"/>
+                      <a:endParaRPr lang="en-US" altLang="ko-KR" sz="1800" b="0" kern="1200" dirty="0">
+                        <a:solidFill>
+                          <a:schemeClr val="dk1"/>
+                        </a:solidFill>
+                        <a:effectLst/>
+                        <a:latin typeface="+mn-lt"/>
+                        <a:ea typeface="+mn-ea"/>
+                        <a:cs typeface="+mn-cs"/>
+                      </a:endParaRPr>
                     </a:p>
                   </a:txBody>
                   <a:tcPr/>
@@ -4008,7 +4072,7 @@
                       <a:pPr latinLnBrk="1"/>
                       <a:r>
                         <a:rPr lang="en-US" altLang="ko-KR" dirty="0" smtClean="0"/>
-                        <a:t>Width:20%; ,</a:t>
+                        <a:t>Position: absolute</a:t>
                       </a:r>
                       <a:endParaRPr lang="ko-KR" altLang="en-US" dirty="0"/>
                     </a:p>
@@ -4028,20 +4092,9 @@
                     <a:lstStyle/>
                     <a:p>
                       <a:pPr latinLnBrk="1"/>
-                      <a:endParaRPr lang="ko-KR" altLang="en-US"/>
-                    </a:p>
-                  </a:txBody>
-                  <a:tcPr/>
-                </a:tc>
-                <a:tc>
-                  <a:txBody>
-                    <a:bodyPr/>
-                    <a:lstStyle/>
-                    <a:p>
-                      <a:pPr latinLnBrk="1"/>
                       <a:r>
-                        <a:rPr lang="ko-KR" altLang="en-US" dirty="0" smtClean="0"/>
-                        <a:t>버튼</a:t>
+                        <a:rPr lang="en-US" altLang="ko-KR" dirty="0" smtClean="0"/>
+                        <a:t>3</a:t>
                       </a:r>
                       <a:endParaRPr lang="ko-KR" altLang="en-US" dirty="0"/>
                     </a:p>
@@ -4056,7 +4109,26 @@
                       <a:pPr latinLnBrk="1"/>
                       <a:r>
                         <a:rPr lang="en-US" altLang="ko-KR" dirty="0" smtClean="0"/>
-                        <a:t>Padding10px,</a:t>
+                        <a:t>detail-</a:t>
+                      </a:r>
+                      <a:r>
+                        <a:rPr lang="en-US" altLang="ko-KR" dirty="0" err="1" smtClean="0"/>
+                        <a:t>btn</a:t>
+                      </a:r>
+                      <a:endParaRPr lang="ko-KR" altLang="en-US" dirty="0"/>
+                    </a:p>
+                  </a:txBody>
+                  <a:tcPr/>
+                </a:tc>
+                <a:tc>
+                  <a:txBody>
+                    <a:bodyPr/>
+                    <a:lstStyle/>
+                    <a:p>
+                      <a:pPr latinLnBrk="1"/>
+                      <a:r>
+                        <a:rPr lang="en-US" altLang="ko-KR" dirty="0" smtClean="0"/>
+                        <a:t>Position: absolute</a:t>
                       </a:r>
                       <a:endParaRPr lang="ko-KR" altLang="en-US" dirty="0"/>
                     </a:p>
@@ -4076,20 +4148,9 @@
                     <a:lstStyle/>
                     <a:p>
                       <a:pPr latinLnBrk="1"/>
-                      <a:endParaRPr lang="ko-KR" altLang="en-US"/>
-                    </a:p>
-                  </a:txBody>
-                  <a:tcPr/>
-                </a:tc>
-                <a:tc>
-                  <a:txBody>
-                    <a:bodyPr/>
-                    <a:lstStyle/>
-                    <a:p>
-                      <a:pPr latinLnBrk="1"/>
                       <a:r>
-                        <a:rPr lang="ko-KR" altLang="en-US" dirty="0" smtClean="0"/>
-                        <a:t>오른쪽 이미지</a:t>
+                        <a:rPr lang="en-US" altLang="ko-KR" dirty="0" smtClean="0"/>
+                        <a:t>4</a:t>
                       </a:r>
                       <a:endParaRPr lang="ko-KR" altLang="en-US" dirty="0"/>
                     </a:p>
@@ -4104,19 +4165,21 @@
                       <a:pPr latinLnBrk="1"/>
                       <a:r>
                         <a:rPr lang="en-US" altLang="ko-KR" dirty="0" smtClean="0"/>
-                        <a:t>Width:40% &lt;div&gt;</a:t>
+                        <a:t>milk-tea</a:t>
                       </a:r>
+                    </a:p>
+                  </a:txBody>
+                  <a:tcPr/>
+                </a:tc>
+                <a:tc>
+                  <a:txBody>
+                    <a:bodyPr/>
+                    <a:lstStyle/>
+                    <a:p>
+                      <a:pPr latinLnBrk="1"/>
                       <a:r>
-                        <a:rPr lang="en-US" altLang="ko-KR" baseline="0" dirty="0" smtClean="0"/>
-                        <a:t> &gt; </a:t>
-                      </a:r>
-                      <a:r>
-                        <a:rPr lang="en-US" altLang="ko-KR" baseline="0" dirty="0" err="1" smtClean="0"/>
-                        <a:t>img</a:t>
-                      </a:r>
-                      <a:r>
-                        <a:rPr lang="en-US" altLang="ko-KR" baseline="0" dirty="0" smtClean="0"/>
-                        <a:t>&gt;</a:t>
+                        <a:rPr lang="en-US" altLang="ko-KR" dirty="0" smtClean="0"/>
+                        <a:t>Position: absolute</a:t>
                       </a:r>
                       <a:endParaRPr lang="ko-KR" altLang="en-US" dirty="0"/>
                     </a:p>
@@ -4126,6 +4189,108 @@
                 <a:extLst>
                   <a:ext uri="{0D108BD9-81ED-4DB2-BD59-A6C34878D82A}">
                     <a16:rowId xmlns:a16="http://schemas.microsoft.com/office/drawing/2014/main" val="3902837252"/>
+                  </a:ext>
+                </a:extLst>
+              </a:tr>
+              <a:tr h="370840">
+                <a:tc>
+                  <a:txBody>
+                    <a:bodyPr/>
+                    <a:lstStyle/>
+                    <a:p>
+                      <a:pPr latinLnBrk="1"/>
+                      <a:r>
+                        <a:rPr lang="en-US" altLang="ko-KR" dirty="0" smtClean="0"/>
+                        <a:t>5</a:t>
+                      </a:r>
+                      <a:endParaRPr lang="ko-KR" altLang="en-US" dirty="0"/>
+                    </a:p>
+                  </a:txBody>
+                  <a:tcPr/>
+                </a:tc>
+                <a:tc>
+                  <a:txBody>
+                    <a:bodyPr/>
+                    <a:lstStyle/>
+                    <a:p>
+                      <a:pPr latinLnBrk="1"/>
+                      <a:r>
+                        <a:rPr lang="en-US" altLang="ko-KR" dirty="0" smtClean="0"/>
+                        <a:t>grape-tea</a:t>
+                      </a:r>
+                    </a:p>
+                  </a:txBody>
+                  <a:tcPr/>
+                </a:tc>
+                <a:tc>
+                  <a:txBody>
+                    <a:bodyPr/>
+                    <a:lstStyle/>
+                    <a:p>
+                      <a:pPr latinLnBrk="1"/>
+                      <a:r>
+                        <a:rPr lang="en-US" altLang="ko-KR" dirty="0" smtClean="0"/>
+                        <a:t>Position: absolute</a:t>
+                      </a:r>
+                      <a:endParaRPr lang="ko-KR" altLang="en-US" dirty="0"/>
+                    </a:p>
+                  </a:txBody>
+                  <a:tcPr/>
+                </a:tc>
+                <a:extLst>
+                  <a:ext uri="{0D108BD9-81ED-4DB2-BD59-A6C34878D82A}">
+                    <a16:rowId xmlns:a16="http://schemas.microsoft.com/office/drawing/2014/main" val="1898873986"/>
+                  </a:ext>
+                </a:extLst>
+              </a:tr>
+              <a:tr h="370840">
+                <a:tc>
+                  <a:txBody>
+                    <a:bodyPr/>
+                    <a:lstStyle/>
+                    <a:p>
+                      <a:pPr latinLnBrk="1"/>
+                      <a:r>
+                        <a:rPr lang="en-US" altLang="ko-KR" dirty="0" smtClean="0"/>
+                        <a:t>6</a:t>
+                      </a:r>
+                      <a:endParaRPr lang="ko-KR" altLang="en-US" dirty="0"/>
+                    </a:p>
+                  </a:txBody>
+                  <a:tcPr/>
+                </a:tc>
+                <a:tc>
+                  <a:txBody>
+                    <a:bodyPr/>
+                    <a:lstStyle/>
+                    <a:p>
+                      <a:pPr latinLnBrk="1"/>
+                      <a:r>
+                        <a:rPr lang="en-US" altLang="ko-KR" dirty="0" smtClean="0"/>
+                        <a:t>cookie-latte</a:t>
+                      </a:r>
+                    </a:p>
+                  </a:txBody>
+                  <a:tcPr/>
+                </a:tc>
+                <a:tc>
+                  <a:txBody>
+                    <a:bodyPr/>
+                    <a:lstStyle/>
+                    <a:p>
+                      <a:pPr latinLnBrk="1"/>
+                      <a:r>
+                        <a:rPr lang="en-US" altLang="ko-KR" dirty="0" smtClean="0"/>
+                        <a:t>Position: absolute</a:t>
+                      </a:r>
+                      <a:endParaRPr lang="ko-KR" altLang="en-US" dirty="0"/>
+                    </a:p>
+                  </a:txBody>
+                  <a:tcPr/>
+                </a:tc>
+                <a:extLst>
+                  <a:ext uri="{0D108BD9-81ED-4DB2-BD59-A6C34878D82A}">
+                    <a16:rowId xmlns:a16="http://schemas.microsoft.com/office/drawing/2014/main" val="250818312"/>
                   </a:ext>
                 </a:extLst>
               </a:tr>
@@ -4142,14 +4307,14 @@
           <p:nvPr/>
         </p:nvPicPr>
         <p:blipFill>
-          <a:blip r:embed="rId3"/>
+          <a:blip r:embed="rId4"/>
           <a:stretch>
             <a:fillRect/>
           </a:stretch>
         </p:blipFill>
         <p:spPr>
           <a:xfrm>
-            <a:off x="0" y="4244767"/>
+            <a:off x="-642745" y="2984740"/>
             <a:ext cx="2105025" cy="2266950"/>
           </a:xfrm>
           <a:prstGeom prst="rect">
@@ -4166,14 +4331,14 @@
           <p:nvPr/>
         </p:nvPicPr>
         <p:blipFill>
-          <a:blip r:embed="rId4"/>
+          <a:blip r:embed="rId5"/>
           <a:stretch>
             <a:fillRect/>
           </a:stretch>
         </p:blipFill>
         <p:spPr>
           <a:xfrm>
-            <a:off x="8448450" y="3816142"/>
+            <a:off x="9221730" y="1464941"/>
             <a:ext cx="3122450" cy="2008164"/>
           </a:xfrm>
           <a:prstGeom prst="rect">
@@ -4190,30 +4355,6 @@
           <p:nvPr/>
         </p:nvPicPr>
         <p:blipFill>
-          <a:blip r:embed="rId5"/>
-          <a:stretch>
-            <a:fillRect/>
-          </a:stretch>
-        </p:blipFill>
-        <p:spPr>
-          <a:xfrm>
-            <a:off x="8870760" y="2306198"/>
-            <a:ext cx="2798317" cy="2947020"/>
-          </a:xfrm>
-          <a:prstGeom prst="rect">
-            <a:avLst/>
-          </a:prstGeom>
-        </p:spPr>
-      </p:pic>
-      <p:pic>
-        <p:nvPicPr>
-          <p:cNvPr id="11" name="그림 10"/>
-          <p:cNvPicPr>
-            <a:picLocks noChangeAspect="1"/>
-          </p:cNvPicPr>
-          <p:nvPr/>
-        </p:nvPicPr>
-        <p:blipFill>
           <a:blip r:embed="rId6"/>
           <a:stretch>
             <a:fillRect/>
@@ -4221,8 +4362,8 @@
         </p:blipFill>
         <p:spPr>
           <a:xfrm>
-            <a:off x="-156210" y="5686425"/>
-            <a:ext cx="12382500" cy="4019550"/>
+            <a:off x="9221730" y="620179"/>
+            <a:ext cx="2798317" cy="2947020"/>
           </a:xfrm>
           <a:prstGeom prst="rect">
             <a:avLst/>
